--- a/docs/electrical.pptx
+++ b/docs/electrical.pptx
@@ -5,12 +5,13 @@
     <p:sldMasterId id="2147483648" r:id="rId1"/>
   </p:sldMasterIdLst>
   <p:notesMasterIdLst>
-    <p:notesMasterId r:id="rId5"/>
+    <p:notesMasterId r:id="rId6"/>
   </p:notesMasterIdLst>
   <p:sldIdLst>
     <p:sldId id="256" r:id="rId2"/>
     <p:sldId id="259" r:id="rId3"/>
     <p:sldId id="260" r:id="rId4"/>
+    <p:sldId id="261" r:id="rId5"/>
   </p:sldIdLst>
   <p:sldSz cx="12192000" cy="6858000"/>
   <p:notesSz cx="6858000" cy="9144000"/>
@@ -199,7 +200,7 @@
           <a:p>
             <a:fld id="{6BE0A06D-6684-4C83-927E-DD8BF7806CB0}" type="datetimeFigureOut">
               <a:rPr lang="en-US" smtClean="0"/>
-              <a:t>2/16/2017</a:t>
+              <a:t>3/1/2017</a:t>
             </a:fld>
             <a:endParaRPr lang="en-US"/>
           </a:p>
@@ -682,7 +683,7 @@
           <a:p>
             <a:fld id="{5A7310FC-2777-4773-A870-B3B283502C00}" type="datetimeFigureOut">
               <a:rPr lang="en-US" smtClean="0"/>
-              <a:t>2/16/2017</a:t>
+              <a:t>3/1/2017</a:t>
             </a:fld>
             <a:endParaRPr lang="en-US"/>
           </a:p>
@@ -852,7 +853,7 @@
           <a:p>
             <a:fld id="{5A7310FC-2777-4773-A870-B3B283502C00}" type="datetimeFigureOut">
               <a:rPr lang="en-US" smtClean="0"/>
-              <a:t>2/16/2017</a:t>
+              <a:t>3/1/2017</a:t>
             </a:fld>
             <a:endParaRPr lang="en-US"/>
           </a:p>
@@ -1032,7 +1033,7 @@
           <a:p>
             <a:fld id="{5A7310FC-2777-4773-A870-B3B283502C00}" type="datetimeFigureOut">
               <a:rPr lang="en-US" smtClean="0"/>
-              <a:t>2/16/2017</a:t>
+              <a:t>3/1/2017</a:t>
             </a:fld>
             <a:endParaRPr lang="en-US"/>
           </a:p>
@@ -1202,7 +1203,7 @@
           <a:p>
             <a:fld id="{5A7310FC-2777-4773-A870-B3B283502C00}" type="datetimeFigureOut">
               <a:rPr lang="en-US" smtClean="0"/>
-              <a:t>2/16/2017</a:t>
+              <a:t>3/1/2017</a:t>
             </a:fld>
             <a:endParaRPr lang="en-US"/>
           </a:p>
@@ -1448,7 +1449,7 @@
           <a:p>
             <a:fld id="{5A7310FC-2777-4773-A870-B3B283502C00}" type="datetimeFigureOut">
               <a:rPr lang="en-US" smtClean="0"/>
-              <a:t>2/16/2017</a:t>
+              <a:t>3/1/2017</a:t>
             </a:fld>
             <a:endParaRPr lang="en-US"/>
           </a:p>
@@ -1680,7 +1681,7 @@
           <a:p>
             <a:fld id="{5A7310FC-2777-4773-A870-B3B283502C00}" type="datetimeFigureOut">
               <a:rPr lang="en-US" smtClean="0"/>
-              <a:t>2/16/2017</a:t>
+              <a:t>3/1/2017</a:t>
             </a:fld>
             <a:endParaRPr lang="en-US"/>
           </a:p>
@@ -2047,7 +2048,7 @@
           <a:p>
             <a:fld id="{5A7310FC-2777-4773-A870-B3B283502C00}" type="datetimeFigureOut">
               <a:rPr lang="en-US" smtClean="0"/>
-              <a:t>2/16/2017</a:t>
+              <a:t>3/1/2017</a:t>
             </a:fld>
             <a:endParaRPr lang="en-US"/>
           </a:p>
@@ -2165,7 +2166,7 @@
           <a:p>
             <a:fld id="{5A7310FC-2777-4773-A870-B3B283502C00}" type="datetimeFigureOut">
               <a:rPr lang="en-US" smtClean="0"/>
-              <a:t>2/16/2017</a:t>
+              <a:t>3/1/2017</a:t>
             </a:fld>
             <a:endParaRPr lang="en-US"/>
           </a:p>
@@ -2260,7 +2261,7 @@
           <a:p>
             <a:fld id="{5A7310FC-2777-4773-A870-B3B283502C00}" type="datetimeFigureOut">
               <a:rPr lang="en-US" smtClean="0"/>
-              <a:t>2/16/2017</a:t>
+              <a:t>3/1/2017</a:t>
             </a:fld>
             <a:endParaRPr lang="en-US"/>
           </a:p>
@@ -2537,7 +2538,7 @@
           <a:p>
             <a:fld id="{5A7310FC-2777-4773-A870-B3B283502C00}" type="datetimeFigureOut">
               <a:rPr lang="en-US" smtClean="0"/>
-              <a:t>2/16/2017</a:t>
+              <a:t>3/1/2017</a:t>
             </a:fld>
             <a:endParaRPr lang="en-US"/>
           </a:p>
@@ -2790,7 +2791,7 @@
           <a:p>
             <a:fld id="{5A7310FC-2777-4773-A870-B3B283502C00}" type="datetimeFigureOut">
               <a:rPr lang="en-US" smtClean="0"/>
-              <a:t>2/16/2017</a:t>
+              <a:t>3/1/2017</a:t>
             </a:fld>
             <a:endParaRPr lang="en-US"/>
           </a:p>
@@ -3003,7 +3004,7 @@
           <a:p>
             <a:fld id="{5A7310FC-2777-4773-A870-B3B283502C00}" type="datetimeFigureOut">
               <a:rPr lang="en-US" smtClean="0"/>
-              <a:t>2/16/2017</a:t>
+              <a:t>3/1/2017</a:t>
             </a:fld>
             <a:endParaRPr lang="en-US"/>
           </a:p>
@@ -6039,8 +6040,8 @@
         </p:nvCxnSpPr>
         <p:spPr>
           <a:xfrm flipV="1">
-            <a:off x="3428214" y="1397000"/>
-            <a:ext cx="4598186" cy="12700"/>
+            <a:off x="7715250" y="1397000"/>
+            <a:ext cx="311150" cy="22225"/>
           </a:xfrm>
           <a:prstGeom prst="line">
             <a:avLst/>
@@ -6074,7 +6075,7 @@
         </p:nvSpPr>
         <p:spPr>
           <a:xfrm>
-            <a:off x="1746663" y="1289566"/>
+            <a:off x="6088878" y="33006"/>
             <a:ext cx="1681551" cy="369332"/>
           </a:xfrm>
           <a:prstGeom prst="rect">
@@ -7280,6 +7281,801 @@
     <p:extLst>
       <p:ext uri="{BB962C8B-B14F-4D97-AF65-F5344CB8AC3E}">
         <p14:creationId xmlns:p14="http://schemas.microsoft.com/office/powerpoint/2010/main" val="1552420265"/>
+      </p:ext>
+    </p:extLst>
+  </p:cSld>
+  <p:clrMapOvr>
+    <a:masterClrMapping/>
+  </p:clrMapOvr>
+</p:sld>
+</file>
+
+<file path=ppt/slides/slide4.xml><?xml version="1.0" encoding="utf-8"?>
+<p:sld xmlns:a="http://schemas.openxmlformats.org/drawingml/2006/main" xmlns:r="http://schemas.openxmlformats.org/officeDocument/2006/relationships" xmlns:p="http://schemas.openxmlformats.org/presentationml/2006/main">
+  <p:cSld>
+    <p:spTree>
+      <p:nvGrpSpPr>
+        <p:cNvPr id="1" name=""/>
+        <p:cNvGrpSpPr/>
+        <p:nvPr/>
+      </p:nvGrpSpPr>
+      <p:grpSpPr>
+        <a:xfrm>
+          <a:off x="0" y="0"/>
+          <a:ext cx="0" cy="0"/>
+          <a:chOff x="0" y="0"/>
+          <a:chExt cx="0" cy="0"/>
+        </a:xfrm>
+      </p:grpSpPr>
+      <p:pic>
+        <p:nvPicPr>
+          <p:cNvPr id="4" name="Content Placeholder 3"/>
+          <p:cNvPicPr>
+            <a:picLocks noGrp="1" noChangeAspect="1"/>
+          </p:cNvPicPr>
+          <p:nvPr>
+            <p:ph idx="1"/>
+          </p:nvPr>
+        </p:nvPicPr>
+        <p:blipFill rotWithShape="1">
+          <a:blip r:embed="rId2" cstate="print">
+            <a:extLst>
+              <a:ext uri="{28A0092B-C50C-407E-A947-70E740481C1C}">
+                <a14:useLocalDpi xmlns:a14="http://schemas.microsoft.com/office/drawing/2010/main" val="0"/>
+              </a:ext>
+            </a:extLst>
+          </a:blip>
+          <a:srcRect l="14203" t="9349" r="25400" b="16461"/>
+          <a:stretch/>
+        </p:blipFill>
+        <p:spPr>
+          <a:xfrm>
+            <a:off x="904875" y="180974"/>
+            <a:ext cx="3057526" cy="6677026"/>
+          </a:xfrm>
+        </p:spPr>
+      </p:pic>
+      <p:pic>
+        <p:nvPicPr>
+          <p:cNvPr id="6" name="Picture 5"/>
+          <p:cNvPicPr>
+            <a:picLocks noChangeAspect="1"/>
+          </p:cNvPicPr>
+          <p:nvPr/>
+        </p:nvPicPr>
+        <p:blipFill rotWithShape="1">
+          <a:blip r:embed="rId3" cstate="print">
+            <a:extLst>
+              <a:ext uri="{28A0092B-C50C-407E-A947-70E740481C1C}">
+                <a14:useLocalDpi xmlns:a14="http://schemas.microsoft.com/office/drawing/2010/main" val="0"/>
+              </a:ext>
+            </a:extLst>
+          </a:blip>
+          <a:srcRect l="19383" t="26805" r="19630" b="15277"/>
+          <a:stretch/>
+        </p:blipFill>
+        <p:spPr>
+          <a:xfrm>
+            <a:off x="6788150" y="2578100"/>
+            <a:ext cx="3276600" cy="5531749"/>
+          </a:xfrm>
+          <a:prstGeom prst="rect">
+            <a:avLst/>
+          </a:prstGeom>
+        </p:spPr>
+      </p:pic>
+      <p:pic>
+        <p:nvPicPr>
+          <p:cNvPr id="7" name="Picture 6"/>
+          <p:cNvPicPr>
+            <a:picLocks noChangeAspect="1"/>
+          </p:cNvPicPr>
+          <p:nvPr/>
+        </p:nvPicPr>
+        <p:blipFill rotWithShape="1">
+          <a:blip r:embed="rId4"/>
+          <a:srcRect l="43829" t="33492" r="35316" b="38571"/>
+          <a:stretch/>
+        </p:blipFill>
+        <p:spPr>
+          <a:xfrm rot="16200000">
+            <a:off x="5845281" y="-767029"/>
+            <a:ext cx="3990230" cy="1896006"/>
+          </a:xfrm>
+          <a:prstGeom prst="rect">
+            <a:avLst/>
+          </a:prstGeom>
+        </p:spPr>
+      </p:pic>
+      <p:sp>
+        <p:nvSpPr>
+          <p:cNvPr id="8" name="Rectangle 7"/>
+          <p:cNvSpPr/>
+          <p:nvPr/>
+        </p:nvSpPr>
+        <p:spPr>
+          <a:xfrm>
+            <a:off x="6788150" y="853459"/>
+            <a:ext cx="2117188" cy="1206500"/>
+          </a:xfrm>
+          <a:prstGeom prst="rect">
+            <a:avLst/>
+          </a:prstGeom>
+          <a:solidFill>
+            <a:srgbClr val="5B9BD5">
+              <a:alpha val="40000"/>
+            </a:srgbClr>
+          </a:solidFill>
+        </p:spPr>
+        <p:style>
+          <a:lnRef idx="2">
+            <a:schemeClr val="accent1">
+              <a:shade val="50000"/>
+            </a:schemeClr>
+          </a:lnRef>
+          <a:fillRef idx="1">
+            <a:schemeClr val="accent1"/>
+          </a:fillRef>
+          <a:effectRef idx="0">
+            <a:schemeClr val="accent1"/>
+          </a:effectRef>
+          <a:fontRef idx="minor">
+            <a:schemeClr val="lt1"/>
+          </a:fontRef>
+        </p:style>
+        <p:txBody>
+          <a:bodyPr rtlCol="0" anchor="ctr"/>
+          <a:lstStyle/>
+          <a:p>
+            <a:pPr algn="ctr"/>
+            <a:endParaRPr lang="en-US"/>
+          </a:p>
+        </p:txBody>
+      </p:sp>
+      <p:sp>
+        <p:nvSpPr>
+          <p:cNvPr id="9" name="Rectangle 8"/>
+          <p:cNvSpPr/>
+          <p:nvPr/>
+        </p:nvSpPr>
+        <p:spPr>
+          <a:xfrm>
+            <a:off x="7533738" y="2985114"/>
+            <a:ext cx="1371600" cy="672486"/>
+          </a:xfrm>
+          <a:prstGeom prst="rect">
+            <a:avLst/>
+          </a:prstGeom>
+          <a:solidFill>
+            <a:srgbClr val="5B9BD5">
+              <a:alpha val="40000"/>
+            </a:srgbClr>
+          </a:solidFill>
+        </p:spPr>
+        <p:style>
+          <a:lnRef idx="2">
+            <a:schemeClr val="accent1">
+              <a:shade val="50000"/>
+            </a:schemeClr>
+          </a:lnRef>
+          <a:fillRef idx="1">
+            <a:schemeClr val="accent1"/>
+          </a:fillRef>
+          <a:effectRef idx="0">
+            <a:schemeClr val="accent1"/>
+          </a:effectRef>
+          <a:fontRef idx="minor">
+            <a:schemeClr val="lt1"/>
+          </a:fontRef>
+        </p:style>
+        <p:txBody>
+          <a:bodyPr rtlCol="0" anchor="ctr"/>
+          <a:lstStyle/>
+          <a:p>
+            <a:pPr algn="ctr"/>
+            <a:endParaRPr lang="en-US"/>
+          </a:p>
+        </p:txBody>
+      </p:sp>
+      <p:cxnSp>
+        <p:nvCxnSpPr>
+          <p:cNvPr id="10" name="Straight Connector 9"/>
+          <p:cNvCxnSpPr/>
+          <p:nvPr/>
+        </p:nvCxnSpPr>
+        <p:spPr>
+          <a:xfrm flipH="1" flipV="1">
+            <a:off x="6788150" y="2059959"/>
+            <a:ext cx="745588" cy="925155"/>
+          </a:xfrm>
+          <a:prstGeom prst="line">
+            <a:avLst/>
+          </a:prstGeom>
+        </p:spPr>
+        <p:style>
+          <a:lnRef idx="1">
+            <a:schemeClr val="accent1"/>
+          </a:lnRef>
+          <a:fillRef idx="0">
+            <a:schemeClr val="accent1"/>
+          </a:fillRef>
+          <a:effectRef idx="0">
+            <a:schemeClr val="accent1"/>
+          </a:effectRef>
+          <a:fontRef idx="minor">
+            <a:schemeClr val="tx1"/>
+          </a:fontRef>
+        </p:style>
+      </p:cxnSp>
+      <p:cxnSp>
+        <p:nvCxnSpPr>
+          <p:cNvPr id="13" name="Straight Connector 12"/>
+          <p:cNvCxnSpPr/>
+          <p:nvPr/>
+        </p:nvCxnSpPr>
+        <p:spPr>
+          <a:xfrm flipV="1">
+            <a:off x="8905338" y="2059959"/>
+            <a:ext cx="0" cy="925156"/>
+          </a:xfrm>
+          <a:prstGeom prst="line">
+            <a:avLst/>
+          </a:prstGeom>
+        </p:spPr>
+        <p:style>
+          <a:lnRef idx="1">
+            <a:schemeClr val="accent1"/>
+          </a:lnRef>
+          <a:fillRef idx="0">
+            <a:schemeClr val="accent1"/>
+          </a:fillRef>
+          <a:effectRef idx="0">
+            <a:schemeClr val="accent1"/>
+          </a:effectRef>
+          <a:fontRef idx="minor">
+            <a:schemeClr val="tx1"/>
+          </a:fontRef>
+        </p:style>
+      </p:cxnSp>
+      <p:sp>
+        <p:nvSpPr>
+          <p:cNvPr id="17" name="TextBox 16"/>
+          <p:cNvSpPr txBox="1"/>
+          <p:nvPr/>
+        </p:nvSpPr>
+        <p:spPr>
+          <a:xfrm rot="16200000">
+            <a:off x="7542936" y="412485"/>
+            <a:ext cx="736600" cy="1754326"/>
+          </a:xfrm>
+          <a:prstGeom prst="rect">
+            <a:avLst/>
+          </a:prstGeom>
+          <a:noFill/>
+          <a:ln>
+            <a:noFill/>
+          </a:ln>
+        </p:spPr>
+        <p:txBody>
+          <a:bodyPr wrap="square" rtlCol="0">
+            <a:spAutoFit/>
+          </a:bodyPr>
+          <a:lstStyle/>
+          <a:p>
+            <a:r>
+              <a:rPr lang="en-US" dirty="0" smtClean="0"/>
+              <a:t>1 2</a:t>
+            </a:r>
+          </a:p>
+          <a:p>
+            <a:r>
+              <a:rPr lang="en-US" dirty="0" smtClean="0"/>
+              <a:t>3</a:t>
+            </a:r>
+            <a:r>
+              <a:rPr lang="en-US" dirty="0"/>
+              <a:t> </a:t>
+            </a:r>
+            <a:r>
+              <a:rPr lang="en-US" dirty="0" smtClean="0"/>
+              <a:t>4</a:t>
+            </a:r>
+          </a:p>
+          <a:p>
+            <a:r>
+              <a:rPr lang="en-US" dirty="0" smtClean="0"/>
+              <a:t>5 6</a:t>
+            </a:r>
+          </a:p>
+          <a:p>
+            <a:r>
+              <a:rPr lang="en-US" dirty="0" smtClean="0"/>
+              <a:t>7 8 </a:t>
+            </a:r>
+          </a:p>
+          <a:p>
+            <a:r>
+              <a:rPr lang="en-US" dirty="0" smtClean="0"/>
+              <a:t>9 10</a:t>
+            </a:r>
+          </a:p>
+          <a:p>
+            <a:endParaRPr lang="en-US" dirty="0" smtClean="0"/>
+          </a:p>
+        </p:txBody>
+      </p:sp>
+      <p:sp>
+        <p:nvSpPr>
+          <p:cNvPr id="18" name="TextBox 17"/>
+          <p:cNvSpPr txBox="1"/>
+          <p:nvPr/>
+        </p:nvSpPr>
+        <p:spPr>
+          <a:xfrm>
+            <a:off x="9127591" y="859630"/>
+            <a:ext cx="2730500" cy="1200329"/>
+          </a:xfrm>
+          <a:prstGeom prst="rect">
+            <a:avLst/>
+          </a:prstGeom>
+          <a:noFill/>
+        </p:spPr>
+        <p:txBody>
+          <a:bodyPr wrap="square" rtlCol="0">
+            <a:spAutoFit/>
+          </a:bodyPr>
+          <a:lstStyle/>
+          <a:p>
+            <a:r>
+              <a:rPr lang="en-US" dirty="0" smtClean="0"/>
+              <a:t>SPI Ribbon - Chip Reader:</a:t>
+            </a:r>
+          </a:p>
+          <a:p>
+            <a:r>
+              <a:rPr lang="en-US" dirty="0" smtClean="0"/>
+              <a:t>1 – D0</a:t>
+            </a:r>
+          </a:p>
+          <a:p>
+            <a:r>
+              <a:rPr lang="en-US" dirty="0" smtClean="0"/>
+              <a:t>3 – SCK</a:t>
+            </a:r>
+          </a:p>
+          <a:p>
+            <a:r>
+              <a:rPr lang="en-US" dirty="0" smtClean="0"/>
+              <a:t>4 – D1</a:t>
+            </a:r>
+            <a:endParaRPr lang="en-US" dirty="0"/>
+          </a:p>
+        </p:txBody>
+      </p:sp>
+      <p:sp>
+        <p:nvSpPr>
+          <p:cNvPr id="19" name="Freeform 18"/>
+          <p:cNvSpPr/>
+          <p:nvPr/>
+        </p:nvSpPr>
+        <p:spPr>
+          <a:xfrm>
+            <a:off x="7453075" y="2348557"/>
+            <a:ext cx="1665525" cy="1156643"/>
+          </a:xfrm>
+          <a:custGeom>
+            <a:avLst/>
+            <a:gdLst>
+              <a:gd name="connsiteX0" fmla="*/ 230425 w 1665525"/>
+              <a:gd name="connsiteY0" fmla="*/ 1156643 h 1156643"/>
+              <a:gd name="connsiteX1" fmla="*/ 116125 w 1665525"/>
+              <a:gd name="connsiteY1" fmla="*/ 943 h 1156643"/>
+              <a:gd name="connsiteX2" fmla="*/ 1665525 w 1665525"/>
+              <a:gd name="connsiteY2" fmla="*/ 953443 h 1156643"/>
+            </a:gdLst>
+            <a:ahLst/>
+            <a:cxnLst>
+              <a:cxn ang="0">
+                <a:pos x="connsiteX0" y="connsiteY0"/>
+              </a:cxn>
+              <a:cxn ang="0">
+                <a:pos x="connsiteX1" y="connsiteY1"/>
+              </a:cxn>
+              <a:cxn ang="0">
+                <a:pos x="connsiteX2" y="connsiteY2"/>
+              </a:cxn>
+            </a:cxnLst>
+            <a:rect l="l" t="t" r="r" b="b"/>
+            <a:pathLst>
+              <a:path w="1665525" h="1156643">
+                <a:moveTo>
+                  <a:pt x="230425" y="1156643"/>
+                </a:moveTo>
+                <a:cubicBezTo>
+                  <a:pt x="53683" y="595726"/>
+                  <a:pt x="-123058" y="34810"/>
+                  <a:pt x="116125" y="943"/>
+                </a:cubicBezTo>
+                <a:cubicBezTo>
+                  <a:pt x="355308" y="-32924"/>
+                  <a:pt x="1400942" y="856076"/>
+                  <a:pt x="1665525" y="953443"/>
+                </a:cubicBezTo>
+              </a:path>
+            </a:pathLst>
+          </a:custGeom>
+          <a:noFill/>
+          <a:ln w="38100">
+            <a:solidFill>
+              <a:srgbClr val="FF0000"/>
+            </a:solidFill>
+          </a:ln>
+        </p:spPr>
+        <p:style>
+          <a:lnRef idx="2">
+            <a:schemeClr val="accent1">
+              <a:shade val="50000"/>
+            </a:schemeClr>
+          </a:lnRef>
+          <a:fillRef idx="1">
+            <a:schemeClr val="accent1"/>
+          </a:fillRef>
+          <a:effectRef idx="0">
+            <a:schemeClr val="accent1"/>
+          </a:effectRef>
+          <a:fontRef idx="minor">
+            <a:schemeClr val="lt1"/>
+          </a:fontRef>
+        </p:style>
+        <p:txBody>
+          <a:bodyPr rtlCol="0" anchor="ctr"/>
+          <a:lstStyle/>
+          <a:p>
+            <a:pPr algn="ctr"/>
+            <a:endParaRPr lang="en-US"/>
+          </a:p>
+        </p:txBody>
+      </p:sp>
+      <p:sp>
+        <p:nvSpPr>
+          <p:cNvPr id="20" name="Freeform 19"/>
+          <p:cNvSpPr/>
+          <p:nvPr/>
+        </p:nvSpPr>
+        <p:spPr>
+          <a:xfrm>
+            <a:off x="7596934" y="3492500"/>
+            <a:ext cx="1280366" cy="576644"/>
+          </a:xfrm>
+          <a:custGeom>
+            <a:avLst/>
+            <a:gdLst>
+              <a:gd name="connsiteX0" fmla="*/ 365966 w 1280366"/>
+              <a:gd name="connsiteY0" fmla="*/ 0 h 576644"/>
+              <a:gd name="connsiteX1" fmla="*/ 48466 w 1280366"/>
+              <a:gd name="connsiteY1" fmla="*/ 444500 h 576644"/>
+              <a:gd name="connsiteX2" fmla="*/ 1280366 w 1280366"/>
+              <a:gd name="connsiteY2" fmla="*/ 444500 h 576644"/>
+            </a:gdLst>
+            <a:ahLst/>
+            <a:cxnLst>
+              <a:cxn ang="0">
+                <a:pos x="connsiteX0" y="connsiteY0"/>
+              </a:cxn>
+              <a:cxn ang="0">
+                <a:pos x="connsiteX1" y="connsiteY1"/>
+              </a:cxn>
+              <a:cxn ang="0">
+                <a:pos x="connsiteX2" y="connsiteY2"/>
+              </a:cxn>
+            </a:cxnLst>
+            <a:rect l="l" t="t" r="r" b="b"/>
+            <a:pathLst>
+              <a:path w="1280366" h="576644">
+                <a:moveTo>
+                  <a:pt x="365966" y="0"/>
+                </a:moveTo>
+                <a:cubicBezTo>
+                  <a:pt x="131016" y="185208"/>
+                  <a:pt x="-103934" y="370417"/>
+                  <a:pt x="48466" y="444500"/>
+                </a:cubicBezTo>
+                <a:cubicBezTo>
+                  <a:pt x="200866" y="518583"/>
+                  <a:pt x="649599" y="700617"/>
+                  <a:pt x="1280366" y="444500"/>
+                </a:cubicBezTo>
+              </a:path>
+            </a:pathLst>
+          </a:custGeom>
+          <a:noFill/>
+          <a:ln w="38100">
+            <a:solidFill>
+              <a:srgbClr val="FF0000"/>
+            </a:solidFill>
+          </a:ln>
+        </p:spPr>
+        <p:style>
+          <a:lnRef idx="2">
+            <a:schemeClr val="accent1">
+              <a:shade val="50000"/>
+            </a:schemeClr>
+          </a:lnRef>
+          <a:fillRef idx="1">
+            <a:schemeClr val="accent1"/>
+          </a:fillRef>
+          <a:effectRef idx="0">
+            <a:schemeClr val="accent1"/>
+          </a:effectRef>
+          <a:fontRef idx="minor">
+            <a:schemeClr val="lt1"/>
+          </a:fontRef>
+        </p:style>
+        <p:txBody>
+          <a:bodyPr rtlCol="0" anchor="ctr"/>
+          <a:lstStyle/>
+          <a:p>
+            <a:pPr algn="ctr"/>
+            <a:endParaRPr lang="en-US"/>
+          </a:p>
+        </p:txBody>
+      </p:sp>
+      <p:sp>
+        <p:nvSpPr>
+          <p:cNvPr id="21" name="Freeform 20"/>
+          <p:cNvSpPr/>
+          <p:nvPr/>
+        </p:nvSpPr>
+        <p:spPr>
+          <a:xfrm>
+            <a:off x="7937500" y="2420022"/>
+            <a:ext cx="1072607" cy="1961478"/>
+          </a:xfrm>
+          <a:custGeom>
+            <a:avLst/>
+            <a:gdLst>
+              <a:gd name="connsiteX0" fmla="*/ 0 w 1072607"/>
+              <a:gd name="connsiteY0" fmla="*/ 805778 h 1961478"/>
+              <a:gd name="connsiteX1" fmla="*/ 596900 w 1072607"/>
+              <a:gd name="connsiteY1" fmla="*/ 43778 h 1961478"/>
+              <a:gd name="connsiteX2" fmla="*/ 939800 w 1072607"/>
+              <a:gd name="connsiteY2" fmla="*/ 1961478 h 1961478"/>
+            </a:gdLst>
+            <a:ahLst/>
+            <a:cxnLst>
+              <a:cxn ang="0">
+                <a:pos x="connsiteX0" y="connsiteY0"/>
+              </a:cxn>
+              <a:cxn ang="0">
+                <a:pos x="connsiteX1" y="connsiteY1"/>
+              </a:cxn>
+              <a:cxn ang="0">
+                <a:pos x="connsiteX2" y="connsiteY2"/>
+              </a:cxn>
+            </a:cxnLst>
+            <a:rect l="l" t="t" r="r" b="b"/>
+            <a:pathLst>
+              <a:path w="1072607" h="1961478">
+                <a:moveTo>
+                  <a:pt x="0" y="805778"/>
+                </a:moveTo>
+                <a:cubicBezTo>
+                  <a:pt x="220133" y="328469"/>
+                  <a:pt x="440267" y="-148839"/>
+                  <a:pt x="596900" y="43778"/>
+                </a:cubicBezTo>
+                <a:cubicBezTo>
+                  <a:pt x="753533" y="236395"/>
+                  <a:pt x="1329267" y="1847178"/>
+                  <a:pt x="939800" y="1961478"/>
+                </a:cubicBezTo>
+              </a:path>
+            </a:pathLst>
+          </a:custGeom>
+          <a:noFill/>
+          <a:ln w="38100">
+            <a:solidFill>
+              <a:srgbClr val="FF0000"/>
+            </a:solidFill>
+          </a:ln>
+        </p:spPr>
+        <p:style>
+          <a:lnRef idx="2">
+            <a:schemeClr val="accent1">
+              <a:shade val="50000"/>
+            </a:schemeClr>
+          </a:lnRef>
+          <a:fillRef idx="1">
+            <a:schemeClr val="accent1"/>
+          </a:fillRef>
+          <a:effectRef idx="0">
+            <a:schemeClr val="accent1"/>
+          </a:effectRef>
+          <a:fontRef idx="minor">
+            <a:schemeClr val="lt1"/>
+          </a:fontRef>
+        </p:style>
+        <p:txBody>
+          <a:bodyPr rtlCol="0" anchor="ctr"/>
+          <a:lstStyle/>
+          <a:p>
+            <a:pPr algn="ctr"/>
+            <a:endParaRPr lang="en-US"/>
+          </a:p>
+        </p:txBody>
+      </p:sp>
+      <p:sp>
+        <p:nvSpPr>
+          <p:cNvPr id="22" name="Freeform 21"/>
+          <p:cNvSpPr/>
+          <p:nvPr/>
+        </p:nvSpPr>
+        <p:spPr>
+          <a:xfrm>
+            <a:off x="7968297" y="4165600"/>
+            <a:ext cx="896303" cy="1333500"/>
+          </a:xfrm>
+          <a:custGeom>
+            <a:avLst/>
+            <a:gdLst>
+              <a:gd name="connsiteX0" fmla="*/ 896303 w 896303"/>
+              <a:gd name="connsiteY0" fmla="*/ 0 h 1333500"/>
+              <a:gd name="connsiteX1" fmla="*/ 32703 w 896303"/>
+              <a:gd name="connsiteY1" fmla="*/ 635000 h 1333500"/>
+              <a:gd name="connsiteX2" fmla="*/ 248603 w 896303"/>
+              <a:gd name="connsiteY2" fmla="*/ 1333500 h 1333500"/>
+            </a:gdLst>
+            <a:ahLst/>
+            <a:cxnLst>
+              <a:cxn ang="0">
+                <a:pos x="connsiteX0" y="connsiteY0"/>
+              </a:cxn>
+              <a:cxn ang="0">
+                <a:pos x="connsiteX1" y="connsiteY1"/>
+              </a:cxn>
+              <a:cxn ang="0">
+                <a:pos x="connsiteX2" y="connsiteY2"/>
+              </a:cxn>
+            </a:cxnLst>
+            <a:rect l="l" t="t" r="r" b="b"/>
+            <a:pathLst>
+              <a:path w="896303" h="1333500">
+                <a:moveTo>
+                  <a:pt x="896303" y="0"/>
+                </a:moveTo>
+                <a:cubicBezTo>
+                  <a:pt x="518478" y="206375"/>
+                  <a:pt x="140653" y="412750"/>
+                  <a:pt x="32703" y="635000"/>
+                </a:cubicBezTo>
+                <a:cubicBezTo>
+                  <a:pt x="-75247" y="857250"/>
+                  <a:pt x="106786" y="1289050"/>
+                  <a:pt x="248603" y="1333500"/>
+                </a:cubicBezTo>
+              </a:path>
+            </a:pathLst>
+          </a:custGeom>
+          <a:noFill/>
+          <a:ln w="38100">
+            <a:solidFill>
+              <a:srgbClr val="FF0000"/>
+            </a:solidFill>
+          </a:ln>
+        </p:spPr>
+        <p:style>
+          <a:lnRef idx="2">
+            <a:schemeClr val="accent1">
+              <a:shade val="50000"/>
+            </a:schemeClr>
+          </a:lnRef>
+          <a:fillRef idx="1">
+            <a:schemeClr val="accent1"/>
+          </a:fillRef>
+          <a:effectRef idx="0">
+            <a:schemeClr val="accent1"/>
+          </a:effectRef>
+          <a:fontRef idx="minor">
+            <a:schemeClr val="lt1"/>
+          </a:fontRef>
+        </p:style>
+        <p:txBody>
+          <a:bodyPr rtlCol="0" anchor="ctr"/>
+          <a:lstStyle/>
+          <a:p>
+            <a:pPr algn="ctr"/>
+            <a:endParaRPr lang="en-US"/>
+          </a:p>
+        </p:txBody>
+      </p:sp>
+      <p:sp>
+        <p:nvSpPr>
+          <p:cNvPr id="23" name="Freeform 22"/>
+          <p:cNvSpPr/>
+          <p:nvPr/>
+        </p:nvSpPr>
+        <p:spPr>
+          <a:xfrm>
+            <a:off x="8214499" y="3733800"/>
+            <a:ext cx="2525164" cy="1996099"/>
+          </a:xfrm>
+          <a:custGeom>
+            <a:avLst/>
+            <a:gdLst>
+              <a:gd name="connsiteX0" fmla="*/ 662801 w 2525164"/>
+              <a:gd name="connsiteY0" fmla="*/ 0 h 1996099"/>
+              <a:gd name="connsiteX1" fmla="*/ 2517001 w 2525164"/>
+              <a:gd name="connsiteY1" fmla="*/ 1003300 h 1996099"/>
+              <a:gd name="connsiteX2" fmla="*/ 15101 w 2525164"/>
+              <a:gd name="connsiteY2" fmla="*/ 1993900 h 1996099"/>
+            </a:gdLst>
+            <a:ahLst/>
+            <a:cxnLst>
+              <a:cxn ang="0">
+                <a:pos x="connsiteX0" y="connsiteY0"/>
+              </a:cxn>
+              <a:cxn ang="0">
+                <a:pos x="connsiteX1" y="connsiteY1"/>
+              </a:cxn>
+              <a:cxn ang="0">
+                <a:pos x="connsiteX2" y="connsiteY2"/>
+              </a:cxn>
+            </a:cxnLst>
+            <a:rect l="l" t="t" r="r" b="b"/>
+            <a:pathLst>
+              <a:path w="2525164" h="1996099">
+                <a:moveTo>
+                  <a:pt x="662801" y="0"/>
+                </a:moveTo>
+                <a:cubicBezTo>
+                  <a:pt x="1643876" y="335491"/>
+                  <a:pt x="2624951" y="670983"/>
+                  <a:pt x="2517001" y="1003300"/>
+                </a:cubicBezTo>
+                <a:cubicBezTo>
+                  <a:pt x="2409051" y="1335617"/>
+                  <a:pt x="-221966" y="2040467"/>
+                  <a:pt x="15101" y="1993900"/>
+                </a:cubicBezTo>
+              </a:path>
+            </a:pathLst>
+          </a:custGeom>
+          <a:noFill/>
+          <a:ln w="38100">
+            <a:solidFill>
+              <a:srgbClr val="FF0000"/>
+            </a:solidFill>
+          </a:ln>
+        </p:spPr>
+        <p:style>
+          <a:lnRef idx="2">
+            <a:schemeClr val="accent1">
+              <a:shade val="50000"/>
+            </a:schemeClr>
+          </a:lnRef>
+          <a:fillRef idx="1">
+            <a:schemeClr val="accent1"/>
+          </a:fillRef>
+          <a:effectRef idx="0">
+            <a:schemeClr val="accent1"/>
+          </a:effectRef>
+          <a:fontRef idx="minor">
+            <a:schemeClr val="lt1"/>
+          </a:fontRef>
+        </p:style>
+        <p:txBody>
+          <a:bodyPr rtlCol="0" anchor="ctr"/>
+          <a:lstStyle/>
+          <a:p>
+            <a:pPr algn="ctr"/>
+            <a:endParaRPr lang="en-US"/>
+          </a:p>
+        </p:txBody>
+      </p:sp>
+    </p:spTree>
+    <p:extLst>
+      <p:ext uri="{BB962C8B-B14F-4D97-AF65-F5344CB8AC3E}">
+        <p14:creationId xmlns:p14="http://schemas.microsoft.com/office/powerpoint/2010/main" val="2528269779"/>
       </p:ext>
     </p:extLst>
   </p:cSld>
